--- a/doku/8_multiprocessing_optimierung.pptx
+++ b/doku/8_multiprocessing_optimierung.pptx
@@ -5,18 +5,18 @@
     <p:sldMasterId id="2147483648" r:id="rId5"/>
   </p:sldMasterIdLst>
   <p:notesMasterIdLst>
-    <p:notesMasterId r:id="rId20"/>
+    <p:notesMasterId r:id="rId21"/>
   </p:notesMasterIdLst>
   <p:handoutMasterIdLst>
-    <p:handoutMasterId r:id="rId21"/>
+    <p:handoutMasterId r:id="rId22"/>
   </p:handoutMasterIdLst>
   <p:sldIdLst>
     <p:sldId id="264" r:id="rId6"/>
     <p:sldId id="261" r:id="rId7"/>
     <p:sldId id="268" r:id="rId8"/>
-    <p:sldId id="274" r:id="rId9"/>
-    <p:sldId id="269" r:id="rId10"/>
-    <p:sldId id="277" r:id="rId11"/>
+    <p:sldId id="277" r:id="rId9"/>
+    <p:sldId id="274" r:id="rId10"/>
+    <p:sldId id="269" r:id="rId11"/>
     <p:sldId id="276" r:id="rId12"/>
     <p:sldId id="275" r:id="rId13"/>
     <p:sldId id="270" r:id="rId14"/>
@@ -25,6 +25,7 @@
     <p:sldId id="273" r:id="rId17"/>
     <p:sldId id="265" r:id="rId18"/>
     <p:sldId id="257" r:id="rId19"/>
+    <p:sldId id="278" r:id="rId20"/>
   </p:sldIdLst>
   <p:sldSz cx="12192000" cy="6858000"/>
   <p:notesSz cx="6858000" cy="9144000"/>
@@ -9719,7 +9720,7 @@
           <a:p>
             <a:fld id="{A32BC2D6-4EC3-454B-A837-8BC6FB178EF1}" type="datetimeFigureOut">
               <a:rPr lang="de-DE" smtClean="0"/>
-              <a:t>24.06.2020</a:t>
+              <a:t>01.07.2020</a:t>
             </a:fld>
             <a:endParaRPr lang="de-DE"/>
           </a:p>
@@ -10463,7 +10464,7 @@
             <a:fld id="{58DC3BD6-2183-405C-A1EE-278E802323E7}" type="slidenum">
               <a:rPr lang="de-DE" smtClean="0"/>
               <a:pPr/>
-              <a:t>5</a:t>
+              <a:t>6</a:t>
             </a:fld>
             <a:endParaRPr lang="de-DE"/>
           </a:p>
@@ -10868,7 +10869,7 @@
             <a:fld id="{EB7FA4D9-B4DF-4D32-B4BA-6AFE1661384F}" type="datetime3">
               <a:rPr lang="en-US" altLang="de-DE" smtClean="0"/>
               <a:pPr/>
-              <a:t>24 June 2020</a:t>
+              <a:t>1 July 2020</a:t>
             </a:fld>
             <a:endParaRPr lang="de-DE" altLang="de-DE"/>
           </a:p>
@@ -11675,7 +11676,7 @@
             <a:fld id="{EB7FA4D9-B4DF-4D32-B4BA-6AFE1661384F}" type="datetime3">
               <a:rPr lang="en-US" altLang="de-DE" smtClean="0"/>
               <a:pPr/>
-              <a:t>24 June 2020</a:t>
+              <a:t>1 July 2020</a:t>
             </a:fld>
             <a:endParaRPr lang="de-DE" altLang="de-DE"/>
           </a:p>
@@ -11867,7 +11868,7 @@
             <a:fld id="{EB7FA4D9-B4DF-4D32-B4BA-6AFE1661384F}" type="datetime3">
               <a:rPr lang="en-US" altLang="de-DE" smtClean="0"/>
               <a:pPr/>
-              <a:t>24 June 2020</a:t>
+              <a:t>1 July 2020</a:t>
             </a:fld>
             <a:endParaRPr lang="de-DE" altLang="de-DE"/>
           </a:p>
@@ -11951,7 +11952,7 @@
             <a:fld id="{EB7FA4D9-B4DF-4D32-B4BA-6AFE1661384F}" type="datetime3">
               <a:rPr lang="en-US" altLang="de-DE" smtClean="0"/>
               <a:pPr/>
-              <a:t>24 June 2020</a:t>
+              <a:t>1 July 2020</a:t>
             </a:fld>
             <a:endParaRPr lang="de-DE" altLang="de-DE"/>
           </a:p>
@@ -12413,7 +12414,7 @@
             <a:fld id="{EB7FA4D9-B4DF-4D32-B4BA-6AFE1661384F}" type="datetime3">
               <a:rPr lang="en-US" altLang="de-DE" smtClean="0"/>
               <a:pPr/>
-              <a:t>24 June 2020</a:t>
+              <a:t>1 July 2020</a:t>
             </a:fld>
             <a:endParaRPr lang="de-DE" altLang="de-DE"/>
           </a:p>
@@ -12745,7 +12746,7 @@
             <a:fld id="{EB7FA4D9-B4DF-4D32-B4BA-6AFE1661384F}" type="datetime3">
               <a:rPr lang="en-US" altLang="de-DE" smtClean="0"/>
               <a:pPr/>
-              <a:t>24 June 2020</a:t>
+              <a:t>1 July 2020</a:t>
             </a:fld>
             <a:endParaRPr lang="de-DE" altLang="de-DE"/>
           </a:p>
@@ -13423,7 +13424,7 @@
             <a:fld id="{EB7FA4D9-B4DF-4D32-B4BA-6AFE1661384F}" type="datetime3">
               <a:rPr lang="en-US" altLang="de-DE" smtClean="0"/>
               <a:pPr/>
-              <a:t>24 June 2020</a:t>
+              <a:t>1 July 2020</a:t>
             </a:fld>
             <a:endParaRPr lang="de-DE" altLang="de-DE"/>
           </a:p>
@@ -13742,7 +13743,7 @@
             <a:fld id="{EB7FA4D9-B4DF-4D32-B4BA-6AFE1661384F}" type="datetime3">
               <a:rPr lang="en-US" altLang="de-DE" smtClean="0"/>
               <a:pPr/>
-              <a:t>24 June 2020</a:t>
+              <a:t>1 July 2020</a:t>
             </a:fld>
             <a:endParaRPr lang="de-DE" altLang="de-DE"/>
           </a:p>
@@ -14269,7 +14270,7 @@
             <a:fld id="{EB7FA4D9-B4DF-4D32-B4BA-6AFE1661384F}" type="datetime3">
               <a:rPr lang="en-US" altLang="de-DE" smtClean="0"/>
               <a:pPr/>
-              <a:t>24 June 2020</a:t>
+              <a:t>1 July 2020</a:t>
             </a:fld>
             <a:endParaRPr lang="de-DE" altLang="de-DE"/>
           </a:p>
@@ -14593,7 +14594,7 @@
             <a:fld id="{EB7FA4D9-B4DF-4D32-B4BA-6AFE1661384F}" type="datetime3">
               <a:rPr lang="en-US" altLang="de-DE" smtClean="0"/>
               <a:pPr/>
-              <a:t>24 June 2020</a:t>
+              <a:t>1 July 2020</a:t>
             </a:fld>
             <a:endParaRPr lang="de-DE" altLang="de-DE"/>
           </a:p>
@@ -15271,7 +15272,7 @@
             <a:fld id="{EB7FA4D9-B4DF-4D32-B4BA-6AFE1661384F}" type="datetime3">
               <a:rPr lang="en-US" altLang="de-DE" smtClean="0"/>
               <a:pPr/>
-              <a:t>24 June 2020</a:t>
+              <a:t>1 July 2020</a:t>
             </a:fld>
             <a:endParaRPr lang="de-DE" altLang="de-DE"/>
           </a:p>
@@ -15691,7 +15692,7 @@
             <a:fld id="{EB7FA4D9-B4DF-4D32-B4BA-6AFE1661384F}" type="datetime3">
               <a:rPr lang="en-US" altLang="de-DE" smtClean="0"/>
               <a:pPr/>
-              <a:t>24 June 2020</a:t>
+              <a:t>1 July 2020</a:t>
             </a:fld>
             <a:endParaRPr lang="de-DE" altLang="de-DE"/>
           </a:p>
@@ -16445,8 +16446,8 @@
         </p:blipFill>
         <p:spPr>
           <a:xfrm>
-            <a:off x="878180" y="1719263"/>
-            <a:ext cx="4827002" cy="4143375"/>
+            <a:off x="908082" y="1795947"/>
+            <a:ext cx="4827002" cy="3846145"/>
           </a:xfrm>
           <a:prstGeom prst="rect">
             <a:avLst/>
@@ -16511,7 +16512,7 @@
             <a:fld id="{EB7FA4D9-B4DF-4D32-B4BA-6AFE1661384F}" type="datetime3">
               <a:rPr lang="en-US" altLang="de-DE" smtClean="0"/>
               <a:pPr/>
-              <a:t>24 June 2020</a:t>
+              <a:t>1 July 2020</a:t>
             </a:fld>
             <a:endParaRPr lang="de-DE" altLang="de-DE"/>
           </a:p>
@@ -17018,7 +17019,7 @@
             <a:fld id="{EB7FA4D9-B4DF-4D32-B4BA-6AFE1661384F}" type="datetime3">
               <a:rPr lang="en-US" altLang="de-DE" smtClean="0"/>
               <a:pPr/>
-              <a:t>24 June 2020</a:t>
+              <a:t>1 July 2020</a:t>
             </a:fld>
             <a:endParaRPr lang="de-DE" altLang="de-DE"/>
           </a:p>
@@ -17340,7 +17341,7 @@
                   <a:spcPts val="600"/>
                 </a:spcAft>
               </a:pPr>
-              <a:t>24 June 2020</a:t>
+              <a:t>1 July 2020</a:t>
             </a:fld>
             <a:endParaRPr lang="de-DE" altLang="de-DE"/>
           </a:p>
@@ -17444,7 +17445,7 @@
             <a:fld id="{EB7FA4D9-B4DF-4D32-B4BA-6AFE1661384F}" type="datetime3">
               <a:rPr lang="en-US" altLang="de-DE" smtClean="0"/>
               <a:pPr/>
-              <a:t>24 June 2020</a:t>
+              <a:t>1 July 2020</a:t>
             </a:fld>
             <a:endParaRPr lang="de-DE" altLang="de-DE"/>
           </a:p>
@@ -17697,7 +17698,7 @@
             <a:fld id="{EB7FA4D9-B4DF-4D32-B4BA-6AFE1661384F}" type="datetime3">
               <a:rPr lang="en-US" altLang="de-DE" smtClean="0"/>
               <a:pPr/>
-              <a:t>24 June 2020</a:t>
+              <a:t>1 July 2020</a:t>
             </a:fld>
             <a:endParaRPr lang="de-DE" altLang="de-DE"/>
           </a:p>
@@ -17707,6 +17708,226 @@
     <p:extLst>
       <p:ext uri="{BB962C8B-B14F-4D97-AF65-F5344CB8AC3E}">
         <p14:creationId xmlns:p14="http://schemas.microsoft.com/office/powerpoint/2010/main" val="3665619213"/>
+      </p:ext>
+    </p:extLst>
+  </p:cSld>
+  <p:clrMapOvr>
+    <a:masterClrMapping/>
+  </p:clrMapOvr>
+</p:sld>
+</file>
+
+<file path=ppt/slides/slide15.xml><?xml version="1.0" encoding="utf-8"?>
+<p:sld xmlns:a="http://schemas.openxmlformats.org/drawingml/2006/main" xmlns:r="http://schemas.openxmlformats.org/officeDocument/2006/relationships" xmlns:p="http://schemas.openxmlformats.org/presentationml/2006/main">
+  <p:cSld>
+    <p:spTree>
+      <p:nvGrpSpPr>
+        <p:cNvPr id="1" name=""/>
+        <p:cNvGrpSpPr/>
+        <p:nvPr/>
+      </p:nvGrpSpPr>
+      <p:grpSpPr>
+        <a:xfrm>
+          <a:off x="0" y="0"/>
+          <a:ext cx="0" cy="0"/>
+          <a:chOff x="0" y="0"/>
+          <a:chExt cx="0" cy="0"/>
+        </a:xfrm>
+      </p:grpSpPr>
+      <p:sp>
+        <p:nvSpPr>
+          <p:cNvPr id="2" name="Titel 1">
+            <a:extLst>
+              <a:ext uri="{FF2B5EF4-FFF2-40B4-BE49-F238E27FC236}">
+                <a16:creationId xmlns:a16="http://schemas.microsoft.com/office/drawing/2014/main" id="{D4951535-CEC7-4667-8718-6412484AFDD9}"/>
+              </a:ext>
+            </a:extLst>
+          </p:cNvPr>
+          <p:cNvSpPr>
+            <a:spLocks noGrp="1"/>
+          </p:cNvSpPr>
+          <p:nvPr>
+            <p:ph type="title"/>
+          </p:nvPr>
+        </p:nvSpPr>
+        <p:spPr/>
+        <p:txBody>
+          <a:bodyPr/>
+          <a:lstStyle/>
+          <a:p>
+            <a:r>
+              <a:rPr lang="de-DE" dirty="0"/>
+              <a:t>Quellen</a:t>
+            </a:r>
+          </a:p>
+        </p:txBody>
+      </p:sp>
+      <p:sp>
+        <p:nvSpPr>
+          <p:cNvPr id="3" name="Inhaltsplatzhalter 2">
+            <a:extLst>
+              <a:ext uri="{FF2B5EF4-FFF2-40B4-BE49-F238E27FC236}">
+                <a16:creationId xmlns:a16="http://schemas.microsoft.com/office/drawing/2014/main" id="{3649AEC0-AF8E-4CF9-B823-12482F0BE067}"/>
+              </a:ext>
+            </a:extLst>
+          </p:cNvPr>
+          <p:cNvSpPr>
+            <a:spLocks noGrp="1"/>
+          </p:cNvSpPr>
+          <p:nvPr>
+            <p:ph idx="1"/>
+          </p:nvPr>
+        </p:nvSpPr>
+        <p:spPr/>
+        <p:txBody>
+          <a:bodyPr/>
+          <a:lstStyle/>
+          <a:p>
+            <a:r>
+              <a:rPr lang="de-DE" dirty="0"/>
+              <a:t>Kaminski, Steffan (2016).</a:t>
+            </a:r>
+            <a:r>
+              <a:rPr lang="de-DE" b="1" dirty="0"/>
+              <a:t>Python 3</a:t>
+            </a:r>
+            <a:r>
+              <a:rPr lang="de-DE" dirty="0"/>
+              <a:t>. De Gruyter Studium. Berlin ; Boston: De GruyterOldenbourg. 482 S.isbn: 978-3-11-047361-2.</a:t>
+            </a:r>
+          </a:p>
+          <a:p>
+            <a:endParaRPr lang="de-DE" dirty="0"/>
+          </a:p>
+          <a:p>
+            <a:r>
+              <a:rPr lang="de-DE" dirty="0" err="1"/>
+              <a:t>multiprocessing</a:t>
+            </a:r>
+            <a:r>
+              <a:rPr lang="de-DE" dirty="0"/>
+              <a:t> — Process-based parallelism — </a:t>
+            </a:r>
+            <a:r>
+              <a:rPr lang="de-DE" b="1" dirty="0"/>
+              <a:t>Python 3.8.3 </a:t>
+            </a:r>
+            <a:r>
+              <a:rPr lang="de-DE" b="1" dirty="0" err="1"/>
+              <a:t>documentation</a:t>
+            </a:r>
+            <a:r>
+              <a:rPr lang="de-DE" b="1" dirty="0"/>
+              <a:t> </a:t>
+            </a:r>
+            <a:r>
+              <a:rPr lang="de-DE" dirty="0"/>
+              <a:t>(2020). url:https://docs.python.org/3/library/multiprocessing.html(besuchtam 04. 06. 2020).</a:t>
+            </a:r>
+          </a:p>
+          <a:p>
+            <a:endParaRPr lang="de-DE" dirty="0"/>
+          </a:p>
+          <a:p>
+            <a:r>
+              <a:rPr lang="de-DE" dirty="0"/>
+              <a:t>Urban Instiute (Data@Urban) (18. Sep. 2018). </a:t>
+            </a:r>
+            <a:r>
+              <a:rPr lang="de-DE" b="1" dirty="0" err="1"/>
+              <a:t>Using</a:t>
+            </a:r>
+            <a:r>
+              <a:rPr lang="de-DE" b="1" dirty="0"/>
+              <a:t> Multiprocessing to Make </a:t>
+            </a:r>
+            <a:r>
+              <a:rPr lang="de-DE" b="1" dirty="0" err="1"/>
+              <a:t>PythonCode</a:t>
+            </a:r>
+            <a:r>
+              <a:rPr lang="de-DE" b="1" dirty="0"/>
+              <a:t> </a:t>
+            </a:r>
+            <a:r>
+              <a:rPr lang="de-DE" b="1" dirty="0" err="1"/>
+              <a:t>Faster</a:t>
+            </a:r>
+            <a:r>
+              <a:rPr lang="de-DE" dirty="0"/>
+              <a:t>. url:https://medium.com/@urban_institute/using-multiprocessing-to-make-python-code-faster-23ea5ef996ba(besucht am 10. 06. 2020).</a:t>
+            </a:r>
+          </a:p>
+        </p:txBody>
+      </p:sp>
+      <p:sp>
+        <p:nvSpPr>
+          <p:cNvPr id="4" name="Foliennummernplatzhalter 3">
+            <a:extLst>
+              <a:ext uri="{FF2B5EF4-FFF2-40B4-BE49-F238E27FC236}">
+                <a16:creationId xmlns:a16="http://schemas.microsoft.com/office/drawing/2014/main" id="{18D20AFF-0018-465B-80EA-406061D39C21}"/>
+              </a:ext>
+            </a:extLst>
+          </p:cNvPr>
+          <p:cNvSpPr>
+            <a:spLocks noGrp="1"/>
+          </p:cNvSpPr>
+          <p:nvPr>
+            <p:ph type="sldNum" sz="quarter" idx="4"/>
+          </p:nvPr>
+        </p:nvSpPr>
+        <p:spPr/>
+        <p:txBody>
+          <a:bodyPr/>
+          <a:lstStyle/>
+          <a:p>
+            <a:fld id="{98E3085C-34B3-423C-8F18-02E349269A3F}" type="slidenum">
+              <a:rPr lang="de-DE" smtClean="0"/>
+              <a:pPr/>
+              <a:t>15</a:t>
+            </a:fld>
+            <a:endParaRPr lang="de-DE"/>
+          </a:p>
+        </p:txBody>
+      </p:sp>
+      <p:sp>
+        <p:nvSpPr>
+          <p:cNvPr id="5" name="Datumsplatzhalter 4">
+            <a:extLst>
+              <a:ext uri="{FF2B5EF4-FFF2-40B4-BE49-F238E27FC236}">
+                <a16:creationId xmlns:a16="http://schemas.microsoft.com/office/drawing/2014/main" id="{51180216-A763-44F6-BCE9-FFC176A30D0C}"/>
+              </a:ext>
+            </a:extLst>
+          </p:cNvPr>
+          <p:cNvSpPr>
+            <a:spLocks noGrp="1"/>
+          </p:cNvSpPr>
+          <p:nvPr>
+            <p:ph type="dt" sz="half" idx="2"/>
+          </p:nvPr>
+        </p:nvSpPr>
+        <p:spPr/>
+        <p:txBody>
+          <a:bodyPr/>
+          <a:lstStyle/>
+          <a:p>
+            <a:r>
+              <a:rPr lang="de-DE" altLang="de-DE"/>
+              <a:t>© WÜRTH IT GmbH, </a:t>
+            </a:r>
+            <a:fld id="{EB7FA4D9-B4DF-4D32-B4BA-6AFE1661384F}" type="datetime3">
+              <a:rPr lang="en-US" altLang="de-DE" smtClean="0"/>
+              <a:pPr/>
+              <a:t>1 July 2020</a:t>
+            </a:fld>
+            <a:endParaRPr lang="de-DE" altLang="de-DE"/>
+          </a:p>
+        </p:txBody>
+      </p:sp>
+    </p:spTree>
+    <p:extLst>
+      <p:ext uri="{BB962C8B-B14F-4D97-AF65-F5344CB8AC3E}">
+        <p14:creationId xmlns:p14="http://schemas.microsoft.com/office/powerpoint/2010/main" val="2311586274"/>
       </p:ext>
     </p:extLst>
   </p:cSld>
@@ -17779,7 +18000,7 @@
             <a:fld id="{EB7FA4D9-B4DF-4D32-B4BA-6AFE1661384F}" type="datetime3">
               <a:rPr lang="en-US" altLang="de-DE" smtClean="0"/>
               <a:pPr/>
-              <a:t>24 June 2020</a:t>
+              <a:t>1 July 2020</a:t>
             </a:fld>
             <a:endParaRPr lang="de-DE" altLang="de-DE"/>
           </a:p>
@@ -17991,7 +18212,7 @@
             <a:fld id="{EB7FA4D9-B4DF-4D32-B4BA-6AFE1661384F}" type="datetime3">
               <a:rPr lang="en-US" altLang="de-DE" smtClean="0"/>
               <a:pPr/>
-              <a:t>24 June 2020</a:t>
+              <a:t>1 July 2020</a:t>
             </a:fld>
             <a:endParaRPr lang="de-DE" altLang="de-DE"/>
           </a:p>
@@ -18032,7 +18253,7 @@
           <p:cNvPr id="7" name="Titel 6">
             <a:extLst>
               <a:ext uri="{FF2B5EF4-FFF2-40B4-BE49-F238E27FC236}">
-                <a16:creationId xmlns:a16="http://schemas.microsoft.com/office/drawing/2014/main" id="{5FEF14AE-2A61-4121-A935-5F68D02D6FB5}"/>
+                <a16:creationId xmlns:a16="http://schemas.microsoft.com/office/drawing/2014/main" id="{5DA10BD6-D3F2-4992-B9E1-8926ADD56678}"/>
               </a:ext>
             </a:extLst>
           </p:cNvPr>
@@ -18049,9 +18270,44 @@
           <a:lstStyle/>
           <a:p>
             <a:r>
-              <a:rPr lang="de-DE"/>
-              <a:t>Theoretischer Hintergrund</a:t>
+              <a:rPr lang="de-DE" dirty="0"/>
+              <a:t>Modul: </a:t>
             </a:r>
+            <a:r>
+              <a:rPr lang="de-DE" dirty="0" err="1"/>
+              <a:t>Multiprocessing</a:t>
+            </a:r>
+            <a:endParaRPr lang="de-DE" dirty="0"/>
+          </a:p>
+        </p:txBody>
+      </p:sp>
+      <p:sp>
+        <p:nvSpPr>
+          <p:cNvPr id="5" name="Foliennummernplatzhalter 4">
+            <a:extLst>
+              <a:ext uri="{FF2B5EF4-FFF2-40B4-BE49-F238E27FC236}">
+                <a16:creationId xmlns:a16="http://schemas.microsoft.com/office/drawing/2014/main" id="{316D9078-0307-4635-9CD3-AFB774296283}"/>
+              </a:ext>
+            </a:extLst>
+          </p:cNvPr>
+          <p:cNvSpPr>
+            <a:spLocks noGrp="1"/>
+          </p:cNvSpPr>
+          <p:nvPr>
+            <p:ph type="sldNum" sz="quarter" idx="4"/>
+          </p:nvPr>
+        </p:nvSpPr>
+        <p:spPr/>
+        <p:txBody>
+          <a:bodyPr/>
+          <a:lstStyle/>
+          <a:p>
+            <a:fld id="{98E3085C-34B3-423C-8F18-02E349269A3F}" type="slidenum">
+              <a:rPr lang="de-DE" smtClean="0"/>
+              <a:pPr/>
+              <a:t>4</a:t>
+            </a:fld>
+            <a:endParaRPr lang="de-DE"/>
           </a:p>
         </p:txBody>
       </p:sp>
@@ -18060,7 +18316,7 @@
           <p:cNvPr id="6" name="Datumsplatzhalter 5">
             <a:extLst>
               <a:ext uri="{FF2B5EF4-FFF2-40B4-BE49-F238E27FC236}">
-                <a16:creationId xmlns:a16="http://schemas.microsoft.com/office/drawing/2014/main" id="{591EEF4A-62AF-41DA-A4B3-284E1C76EAD4}"/>
+                <a16:creationId xmlns:a16="http://schemas.microsoft.com/office/drawing/2014/main" id="{0C941700-5DA3-49EF-96D4-11079DB2A5D2}"/>
               </a:ext>
             </a:extLst>
           </p:cNvPr>
@@ -18068,7 +18324,7 @@
             <a:spLocks noGrp="1"/>
           </p:cNvSpPr>
           <p:nvPr>
-            <p:ph type="dt" sz="half" idx="10"/>
+            <p:ph type="dt" sz="half" idx="2"/>
           </p:nvPr>
         </p:nvSpPr>
         <p:spPr/>
@@ -18083,9 +18339,562 @@
             <a:fld id="{EB7FA4D9-B4DF-4D32-B4BA-6AFE1661384F}" type="datetime3">
               <a:rPr lang="en-US" altLang="de-DE" smtClean="0"/>
               <a:pPr/>
-              <a:t>24 June 2020</a:t>
+              <a:t>1 July 2020</a:t>
             </a:fld>
             <a:endParaRPr lang="de-DE" altLang="de-DE"/>
+          </a:p>
+        </p:txBody>
+      </p:sp>
+      <p:sp>
+        <p:nvSpPr>
+          <p:cNvPr id="9" name="Rechteck: abgerundete Ecken 8">
+            <a:extLst>
+              <a:ext uri="{FF2B5EF4-FFF2-40B4-BE49-F238E27FC236}">
+                <a16:creationId xmlns:a16="http://schemas.microsoft.com/office/drawing/2014/main" id="{E55C5B9A-A02D-433F-A2CE-FC70362BAE59}"/>
+              </a:ext>
+            </a:extLst>
+          </p:cNvPr>
+          <p:cNvSpPr/>
+          <p:nvPr/>
+        </p:nvSpPr>
+        <p:spPr>
+          <a:xfrm>
+            <a:off x="4193832" y="1498484"/>
+            <a:ext cx="3804335" cy="682911"/>
+          </a:xfrm>
+          <a:prstGeom prst="roundRect">
+            <a:avLst/>
+          </a:prstGeom>
+        </p:spPr>
+        <p:style>
+          <a:lnRef idx="2">
+            <a:schemeClr val="accent4">
+              <a:shade val="50000"/>
+            </a:schemeClr>
+          </a:lnRef>
+          <a:fillRef idx="1">
+            <a:schemeClr val="accent4"/>
+          </a:fillRef>
+          <a:effectRef idx="0">
+            <a:schemeClr val="accent4"/>
+          </a:effectRef>
+          <a:fontRef idx="minor">
+            <a:schemeClr val="lt1"/>
+          </a:fontRef>
+        </p:style>
+        <p:txBody>
+          <a:bodyPr rtlCol="0" anchor="ctr"/>
+          <a:lstStyle/>
+          <a:p>
+            <a:pPr algn="ctr"/>
+            <a:r>
+              <a:rPr lang="de-DE" dirty="0"/>
+              <a:t>Python Standardbibliothek</a:t>
+            </a:r>
+          </a:p>
+        </p:txBody>
+      </p:sp>
+      <p:sp>
+        <p:nvSpPr>
+          <p:cNvPr id="10" name="Rechteck: abgerundete Ecken 9">
+            <a:extLst>
+              <a:ext uri="{FF2B5EF4-FFF2-40B4-BE49-F238E27FC236}">
+                <a16:creationId xmlns:a16="http://schemas.microsoft.com/office/drawing/2014/main" id="{98122915-5D46-4F5B-BEBE-7390E0A4D883}"/>
+              </a:ext>
+            </a:extLst>
+          </p:cNvPr>
+          <p:cNvSpPr/>
+          <p:nvPr/>
+        </p:nvSpPr>
+        <p:spPr>
+          <a:xfrm>
+            <a:off x="1569748" y="2835499"/>
+            <a:ext cx="3347174" cy="682911"/>
+          </a:xfrm>
+          <a:prstGeom prst="roundRect">
+            <a:avLst/>
+          </a:prstGeom>
+        </p:spPr>
+        <p:style>
+          <a:lnRef idx="2">
+            <a:schemeClr val="accent4">
+              <a:shade val="50000"/>
+            </a:schemeClr>
+          </a:lnRef>
+          <a:fillRef idx="1">
+            <a:schemeClr val="accent4"/>
+          </a:fillRef>
+          <a:effectRef idx="0">
+            <a:schemeClr val="accent4"/>
+          </a:effectRef>
+          <a:fontRef idx="minor">
+            <a:schemeClr val="lt1"/>
+          </a:fontRef>
+        </p:style>
+        <p:txBody>
+          <a:bodyPr rtlCol="0" anchor="ctr"/>
+          <a:lstStyle/>
+          <a:p>
+            <a:pPr algn="ctr"/>
+            <a:r>
+              <a:rPr lang="de-DE" dirty="0"/>
+              <a:t>Pool</a:t>
+            </a:r>
+          </a:p>
+        </p:txBody>
+      </p:sp>
+      <p:sp>
+        <p:nvSpPr>
+          <p:cNvPr id="11" name="Rechteck: abgerundete Ecken 10">
+            <a:extLst>
+              <a:ext uri="{FF2B5EF4-FFF2-40B4-BE49-F238E27FC236}">
+                <a16:creationId xmlns:a16="http://schemas.microsoft.com/office/drawing/2014/main" id="{FF169CB4-044C-4155-B0A4-71CA81226D78}"/>
+              </a:ext>
+            </a:extLst>
+          </p:cNvPr>
+          <p:cNvSpPr/>
+          <p:nvPr/>
+        </p:nvSpPr>
+        <p:spPr>
+          <a:xfrm>
+            <a:off x="7275078" y="2835498"/>
+            <a:ext cx="3347174" cy="682911"/>
+          </a:xfrm>
+          <a:prstGeom prst="roundRect">
+            <a:avLst/>
+          </a:prstGeom>
+        </p:spPr>
+        <p:style>
+          <a:lnRef idx="2">
+            <a:schemeClr val="accent4">
+              <a:shade val="50000"/>
+            </a:schemeClr>
+          </a:lnRef>
+          <a:fillRef idx="1">
+            <a:schemeClr val="accent4"/>
+          </a:fillRef>
+          <a:effectRef idx="0">
+            <a:schemeClr val="accent4"/>
+          </a:effectRef>
+          <a:fontRef idx="minor">
+            <a:schemeClr val="lt1"/>
+          </a:fontRef>
+        </p:style>
+        <p:txBody>
+          <a:bodyPr rtlCol="0" anchor="ctr"/>
+          <a:lstStyle/>
+          <a:p>
+            <a:pPr algn="ctr"/>
+            <a:r>
+              <a:rPr lang="de-DE" dirty="0" err="1"/>
+              <a:t>Process</a:t>
+            </a:r>
+            <a:endParaRPr lang="de-DE" dirty="0"/>
+          </a:p>
+        </p:txBody>
+      </p:sp>
+      <p:sp>
+        <p:nvSpPr>
+          <p:cNvPr id="12" name="Rechteck: abgerundete Ecken 11">
+            <a:extLst>
+              <a:ext uri="{FF2B5EF4-FFF2-40B4-BE49-F238E27FC236}">
+                <a16:creationId xmlns:a16="http://schemas.microsoft.com/office/drawing/2014/main" id="{E33BF163-080C-4EF9-9C4A-6619719E746B}"/>
+              </a:ext>
+            </a:extLst>
+          </p:cNvPr>
+          <p:cNvSpPr/>
+          <p:nvPr/>
+        </p:nvSpPr>
+        <p:spPr>
+          <a:xfrm>
+            <a:off x="1569748" y="3736982"/>
+            <a:ext cx="3347174" cy="552437"/>
+          </a:xfrm>
+          <a:prstGeom prst="roundRect">
+            <a:avLst/>
+          </a:prstGeom>
+        </p:spPr>
+        <p:style>
+          <a:lnRef idx="2">
+            <a:schemeClr val="accent2">
+              <a:shade val="50000"/>
+            </a:schemeClr>
+          </a:lnRef>
+          <a:fillRef idx="1">
+            <a:schemeClr val="accent2"/>
+          </a:fillRef>
+          <a:effectRef idx="0">
+            <a:schemeClr val="accent2"/>
+          </a:effectRef>
+          <a:fontRef idx="minor">
+            <a:schemeClr val="lt1"/>
+          </a:fontRef>
+        </p:style>
+        <p:txBody>
+          <a:bodyPr rtlCol="0" anchor="ctr"/>
+          <a:lstStyle/>
+          <a:p>
+            <a:pPr algn="ctr"/>
+            <a:r>
+              <a:rPr lang="de-DE" dirty="0"/>
+              <a:t>Viele Wiederholungen</a:t>
+            </a:r>
+          </a:p>
+        </p:txBody>
+      </p:sp>
+      <p:sp>
+        <p:nvSpPr>
+          <p:cNvPr id="13" name="Rechteck: abgerundete Ecken 12">
+            <a:extLst>
+              <a:ext uri="{FF2B5EF4-FFF2-40B4-BE49-F238E27FC236}">
+                <a16:creationId xmlns:a16="http://schemas.microsoft.com/office/drawing/2014/main" id="{D8F6280E-BAF1-4A73-894B-8E7789DAEEE8}"/>
+              </a:ext>
+            </a:extLst>
+          </p:cNvPr>
+          <p:cNvSpPr/>
+          <p:nvPr/>
+        </p:nvSpPr>
+        <p:spPr>
+          <a:xfrm>
+            <a:off x="7275078" y="3736982"/>
+            <a:ext cx="3347174" cy="552437"/>
+          </a:xfrm>
+          <a:prstGeom prst="roundRect">
+            <a:avLst/>
+          </a:prstGeom>
+        </p:spPr>
+        <p:style>
+          <a:lnRef idx="2">
+            <a:schemeClr val="accent2">
+              <a:shade val="50000"/>
+            </a:schemeClr>
+          </a:lnRef>
+          <a:fillRef idx="1">
+            <a:schemeClr val="accent2"/>
+          </a:fillRef>
+          <a:effectRef idx="0">
+            <a:schemeClr val="accent2"/>
+          </a:effectRef>
+          <a:fontRef idx="minor">
+            <a:schemeClr val="lt1"/>
+          </a:fontRef>
+        </p:style>
+        <p:txBody>
+          <a:bodyPr rtlCol="0" anchor="ctr"/>
+          <a:lstStyle/>
+          <a:p>
+            <a:pPr algn="ctr"/>
+            <a:r>
+              <a:rPr lang="de-DE" dirty="0"/>
+              <a:t>Einzelne Aufgaben</a:t>
+            </a:r>
+          </a:p>
+        </p:txBody>
+      </p:sp>
+      <p:sp>
+        <p:nvSpPr>
+          <p:cNvPr id="14" name="Rechteck: abgerundete Ecken 13">
+            <a:extLst>
+              <a:ext uri="{FF2B5EF4-FFF2-40B4-BE49-F238E27FC236}">
+                <a16:creationId xmlns:a16="http://schemas.microsoft.com/office/drawing/2014/main" id="{5B934CDF-FC1D-4ECE-95A4-67ECD367206F}"/>
+              </a:ext>
+            </a:extLst>
+          </p:cNvPr>
+          <p:cNvSpPr/>
+          <p:nvPr/>
+        </p:nvSpPr>
+        <p:spPr>
+          <a:xfrm>
+            <a:off x="1569748" y="4420639"/>
+            <a:ext cx="3347174" cy="552437"/>
+          </a:xfrm>
+          <a:prstGeom prst="roundRect">
+            <a:avLst/>
+          </a:prstGeom>
+        </p:spPr>
+        <p:style>
+          <a:lnRef idx="2">
+            <a:schemeClr val="accent2">
+              <a:shade val="50000"/>
+            </a:schemeClr>
+          </a:lnRef>
+          <a:fillRef idx="1">
+            <a:schemeClr val="accent2"/>
+          </a:fillRef>
+          <a:effectRef idx="0">
+            <a:schemeClr val="accent2"/>
+          </a:effectRef>
+          <a:fontRef idx="minor">
+            <a:schemeClr val="lt1"/>
+          </a:fontRef>
+        </p:style>
+        <p:txBody>
+          <a:bodyPr rtlCol="0" anchor="ctr"/>
+          <a:lstStyle/>
+          <a:p>
+            <a:pPr algn="ctr"/>
+            <a:r>
+              <a:rPr lang="de-DE" dirty="0"/>
+              <a:t>Unabhängig voneinander</a:t>
+            </a:r>
+          </a:p>
+        </p:txBody>
+      </p:sp>
+      <p:sp>
+        <p:nvSpPr>
+          <p:cNvPr id="15" name="Rechteck: abgerundete Ecken 14">
+            <a:extLst>
+              <a:ext uri="{FF2B5EF4-FFF2-40B4-BE49-F238E27FC236}">
+                <a16:creationId xmlns:a16="http://schemas.microsoft.com/office/drawing/2014/main" id="{EF7D6087-2ED0-480D-A988-1E35B072A7BC}"/>
+              </a:ext>
+            </a:extLst>
+          </p:cNvPr>
+          <p:cNvSpPr/>
+          <p:nvPr/>
+        </p:nvSpPr>
+        <p:spPr>
+          <a:xfrm>
+            <a:off x="1544013" y="5104296"/>
+            <a:ext cx="3347174" cy="552437"/>
+          </a:xfrm>
+          <a:prstGeom prst="roundRect">
+            <a:avLst/>
+          </a:prstGeom>
+        </p:spPr>
+        <p:style>
+          <a:lnRef idx="2">
+            <a:schemeClr val="accent2">
+              <a:shade val="50000"/>
+            </a:schemeClr>
+          </a:lnRef>
+          <a:fillRef idx="1">
+            <a:schemeClr val="accent2"/>
+          </a:fillRef>
+          <a:effectRef idx="0">
+            <a:schemeClr val="accent2"/>
+          </a:effectRef>
+          <a:fontRef idx="minor">
+            <a:schemeClr val="lt1"/>
+          </a:fontRef>
+        </p:style>
+        <p:txBody>
+          <a:bodyPr rtlCol="0" anchor="ctr"/>
+          <a:lstStyle/>
+          <a:p>
+            <a:pPr algn="ctr"/>
+            <a:r>
+              <a:rPr lang="de-DE" dirty="0"/>
+              <a:t>Unbekannte Reihenfolge</a:t>
+            </a:r>
+          </a:p>
+        </p:txBody>
+      </p:sp>
+      <p:sp>
+        <p:nvSpPr>
+          <p:cNvPr id="16" name="Rechteck: abgerundete Ecken 15">
+            <a:extLst>
+              <a:ext uri="{FF2B5EF4-FFF2-40B4-BE49-F238E27FC236}">
+                <a16:creationId xmlns:a16="http://schemas.microsoft.com/office/drawing/2014/main" id="{9E82B66D-55B3-4704-A29D-4E06AE21DD2E}"/>
+              </a:ext>
+            </a:extLst>
+          </p:cNvPr>
+          <p:cNvSpPr/>
+          <p:nvPr/>
+        </p:nvSpPr>
+        <p:spPr>
+          <a:xfrm>
+            <a:off x="7275078" y="4420639"/>
+            <a:ext cx="3347174" cy="552437"/>
+          </a:xfrm>
+          <a:prstGeom prst="roundRect">
+            <a:avLst/>
+          </a:prstGeom>
+        </p:spPr>
+        <p:style>
+          <a:lnRef idx="2">
+            <a:schemeClr val="accent2">
+              <a:shade val="50000"/>
+            </a:schemeClr>
+          </a:lnRef>
+          <a:fillRef idx="1">
+            <a:schemeClr val="accent2"/>
+          </a:fillRef>
+          <a:effectRef idx="0">
+            <a:schemeClr val="accent2"/>
+          </a:effectRef>
+          <a:fontRef idx="minor">
+            <a:schemeClr val="lt1"/>
+          </a:fontRef>
+        </p:style>
+        <p:txBody>
+          <a:bodyPr rtlCol="0" anchor="ctr"/>
+          <a:lstStyle/>
+          <a:p>
+            <a:pPr algn="ctr"/>
+            <a:r>
+              <a:rPr lang="de-DE" dirty="0"/>
+              <a:t>Einmalige Durchführung</a:t>
+            </a:r>
+          </a:p>
+        </p:txBody>
+      </p:sp>
+      <p:sp>
+        <p:nvSpPr>
+          <p:cNvPr id="17" name="Rechteck: abgerundete Ecken 16">
+            <a:extLst>
+              <a:ext uri="{FF2B5EF4-FFF2-40B4-BE49-F238E27FC236}">
+                <a16:creationId xmlns:a16="http://schemas.microsoft.com/office/drawing/2014/main" id="{39963127-9D6D-4E9C-8A22-010345304709}"/>
+              </a:ext>
+            </a:extLst>
+          </p:cNvPr>
+          <p:cNvSpPr/>
+          <p:nvPr/>
+        </p:nvSpPr>
+        <p:spPr>
+          <a:xfrm>
+            <a:off x="7275078" y="5104295"/>
+            <a:ext cx="3347174" cy="552437"/>
+          </a:xfrm>
+          <a:prstGeom prst="roundRect">
+            <a:avLst/>
+          </a:prstGeom>
+        </p:spPr>
+        <p:style>
+          <a:lnRef idx="2">
+            <a:schemeClr val="accent2">
+              <a:shade val="50000"/>
+            </a:schemeClr>
+          </a:lnRef>
+          <a:fillRef idx="1">
+            <a:schemeClr val="accent2"/>
+          </a:fillRef>
+          <a:effectRef idx="0">
+            <a:schemeClr val="accent2"/>
+          </a:effectRef>
+          <a:fontRef idx="minor">
+            <a:schemeClr val="lt1"/>
+          </a:fontRef>
+        </p:style>
+        <p:txBody>
+          <a:bodyPr rtlCol="0" anchor="ctr"/>
+          <a:lstStyle/>
+          <a:p>
+            <a:pPr algn="ctr"/>
+            <a:r>
+              <a:rPr lang="de-DE" dirty="0"/>
+              <a:t>Reihenfolge wählbar</a:t>
+            </a:r>
+          </a:p>
+        </p:txBody>
+      </p:sp>
+    </p:spTree>
+    <p:extLst>
+      <p:ext uri="{BB962C8B-B14F-4D97-AF65-F5344CB8AC3E}">
+        <p14:creationId xmlns:p14="http://schemas.microsoft.com/office/powerpoint/2010/main" val="2786124716"/>
+      </p:ext>
+    </p:extLst>
+  </p:cSld>
+  <p:clrMapOvr>
+    <a:masterClrMapping/>
+  </p:clrMapOvr>
+</p:sld>
+</file>
+
+<file path=ppt/slides/slide5.xml><?xml version="1.0" encoding="utf-8"?>
+<p:sld xmlns:a="http://schemas.openxmlformats.org/drawingml/2006/main" xmlns:r="http://schemas.openxmlformats.org/officeDocument/2006/relationships" xmlns:p="http://schemas.openxmlformats.org/presentationml/2006/main">
+  <p:cSld>
+    <p:spTree>
+      <p:nvGrpSpPr>
+        <p:cNvPr id="1" name=""/>
+        <p:cNvGrpSpPr/>
+        <p:nvPr/>
+      </p:nvGrpSpPr>
+      <p:grpSpPr>
+        <a:xfrm>
+          <a:off x="0" y="0"/>
+          <a:ext cx="0" cy="0"/>
+          <a:chOff x="0" y="0"/>
+          <a:chExt cx="0" cy="0"/>
+        </a:xfrm>
+      </p:grpSpPr>
+      <p:sp>
+        <p:nvSpPr>
+          <p:cNvPr id="8" name="Textplatzhalter 7">
+            <a:extLst>
+              <a:ext uri="{FF2B5EF4-FFF2-40B4-BE49-F238E27FC236}">
+                <a16:creationId xmlns:a16="http://schemas.microsoft.com/office/drawing/2014/main" id="{5E5F80E9-8BDF-484D-BE75-13D2F83B64F0}"/>
+              </a:ext>
+            </a:extLst>
+          </p:cNvPr>
+          <p:cNvSpPr>
+            <a:spLocks noGrp="1"/>
+          </p:cNvSpPr>
+          <p:nvPr>
+            <p:ph type="body" idx="1"/>
+          </p:nvPr>
+        </p:nvSpPr>
+        <p:spPr/>
+        <p:txBody>
+          <a:bodyPr wrap="square" anchor="b">
+            <a:normAutofit/>
+          </a:bodyPr>
+          <a:lstStyle/>
+          <a:p>
+            <a:pPr marL="0" indent="0">
+              <a:spcAft>
+                <a:spcPts val="600"/>
+              </a:spcAft>
+              <a:buNone/>
+            </a:pPr>
+            <a:endParaRPr lang="de-DE" dirty="0"/>
+          </a:p>
+          <a:p>
+            <a:pPr>
+              <a:spcAft>
+                <a:spcPts val="600"/>
+              </a:spcAft>
+            </a:pPr>
+            <a:r>
+              <a:rPr lang="de-DE" dirty="0"/>
+              <a:t>Ohne </a:t>
+            </a:r>
+            <a:r>
+              <a:rPr lang="de-DE" dirty="0" err="1"/>
+              <a:t>Multiprocessing</a:t>
+            </a:r>
+            <a:endParaRPr lang="de-DE" dirty="0"/>
+          </a:p>
+        </p:txBody>
+      </p:sp>
+      <p:sp>
+        <p:nvSpPr>
+          <p:cNvPr id="73" name="Text Placeholder 3">
+            <a:extLst>
+              <a:ext uri="{FF2B5EF4-FFF2-40B4-BE49-F238E27FC236}">
+                <a16:creationId xmlns:a16="http://schemas.microsoft.com/office/drawing/2014/main" id="{69020B23-31CD-4D92-9C3E-60F2641D11D5}"/>
+              </a:ext>
+            </a:extLst>
+          </p:cNvPr>
+          <p:cNvSpPr>
+            <a:spLocks noGrp="1"/>
+          </p:cNvSpPr>
+          <p:nvPr>
+            <p:ph type="body" sz="quarter" idx="3"/>
+          </p:nvPr>
+        </p:nvSpPr>
+        <p:spPr/>
+        <p:txBody>
+          <a:bodyPr/>
+          <a:lstStyle/>
+          <a:p>
+            <a:r>
+              <a:rPr lang="en-US" dirty="0" err="1"/>
+              <a:t>Mit</a:t>
+            </a:r>
+            <a:r>
+              <a:rPr lang="en-US" dirty="0"/>
+              <a:t> Multiprocessing</a:t>
+            </a:r>
           </a:p>
         </p:txBody>
       </p:sp>
@@ -18107,13 +18916,24 @@
         </p:nvSpPr>
         <p:spPr/>
         <p:txBody>
-          <a:bodyPr/>
+          <a:bodyPr wrap="square" anchor="t">
+            <a:normAutofit/>
+          </a:bodyPr>
           <a:lstStyle/>
           <a:p>
+            <a:pPr>
+              <a:spcAft>
+                <a:spcPts val="600"/>
+              </a:spcAft>
+            </a:pPr>
             <a:fld id="{98E3085C-34B3-423C-8F18-02E349269A3F}" type="slidenum">
               <a:rPr lang="de-DE" smtClean="0"/>
-              <a:pPr/>
-              <a:t>4</a:t>
+              <a:pPr>
+                <a:spcAft>
+                  <a:spcPts val="600"/>
+                </a:spcAft>
+              </a:pPr>
+              <a:t>5</a:t>
             </a:fld>
             <a:endParaRPr lang="de-DE"/>
           </a:p>
@@ -18121,10 +18941,10 @@
       </p:sp>
       <p:sp>
         <p:nvSpPr>
-          <p:cNvPr id="8" name="Textplatzhalter 7">
+          <p:cNvPr id="6" name="Datumsplatzhalter 5">
             <a:extLst>
               <a:ext uri="{FF2B5EF4-FFF2-40B4-BE49-F238E27FC236}">
-                <a16:creationId xmlns:a16="http://schemas.microsoft.com/office/drawing/2014/main" id="{5E5F80E9-8BDF-484D-BE75-13D2F83B64F0}"/>
+                <a16:creationId xmlns:a16="http://schemas.microsoft.com/office/drawing/2014/main" id="{591EEF4A-62AF-41DA-A4B3-284E1C76EAD4}"/>
               </a:ext>
             </a:extLst>
           </p:cNvPr>
@@ -18132,55 +18952,166 @@
             <a:spLocks noGrp="1"/>
           </p:cNvSpPr>
           <p:nvPr>
-            <p:ph type="body" sz="quarter" idx="13"/>
+            <p:ph type="dt" sz="half" idx="13"/>
           </p:nvPr>
         </p:nvSpPr>
         <p:spPr/>
         <p:txBody>
-          <a:bodyPr/>
+          <a:bodyPr wrap="square" anchor="t">
+            <a:normAutofit/>
+          </a:bodyPr>
+          <a:lstStyle/>
+          <a:p>
+            <a:pPr>
+              <a:spcAft>
+                <a:spcPts val="600"/>
+              </a:spcAft>
+            </a:pPr>
+            <a:r>
+              <a:rPr lang="de-DE" altLang="de-DE"/>
+              <a:t>© WÜRTH IT GmbH, </a:t>
+            </a:r>
+            <a:fld id="{EB7FA4D9-B4DF-4D32-B4BA-6AFE1661384F}" type="datetime3">
+              <a:rPr lang="en-US" altLang="de-DE" smtClean="0"/>
+              <a:pPr>
+                <a:spcAft>
+                  <a:spcPts val="600"/>
+                </a:spcAft>
+              </a:pPr>
+              <a:t>1 July 2020</a:t>
+            </a:fld>
+            <a:endParaRPr lang="de-DE" altLang="de-DE"/>
+          </a:p>
+        </p:txBody>
+      </p:sp>
+      <p:sp>
+        <p:nvSpPr>
+          <p:cNvPr id="7" name="Titel 6">
+            <a:extLst>
+              <a:ext uri="{FF2B5EF4-FFF2-40B4-BE49-F238E27FC236}">
+                <a16:creationId xmlns:a16="http://schemas.microsoft.com/office/drawing/2014/main" id="{5FEF14AE-2A61-4121-A935-5F68D02D6FB5}"/>
+              </a:ext>
+            </a:extLst>
+          </p:cNvPr>
+          <p:cNvSpPr>
+            <a:spLocks noGrp="1"/>
+          </p:cNvSpPr>
+          <p:nvPr>
+            <p:ph type="title"/>
+          </p:nvPr>
+        </p:nvSpPr>
+        <p:spPr/>
+        <p:txBody>
+          <a:bodyPr wrap="square" anchor="b">
+            <a:normAutofit/>
+          </a:bodyPr>
           <a:lstStyle/>
           <a:p>
             <a:r>
               <a:rPr lang="de-DE" dirty="0"/>
-              <a:t>Anstatt Wiederholen </a:t>
+              <a:t>GIL: Global Interpreter Lock</a:t>
             </a:r>
-            <a:r>
-              <a:rPr lang="de-DE" dirty="0">
-                <a:sym typeface="Wingdings" panose="05000000000000000000" pitchFamily="2" charset="2"/>
-              </a:rPr>
-              <a:t> Gleichzeitig erledigen</a:t>
-            </a:r>
-            <a:endParaRPr lang="de-DE" dirty="0"/>
-          </a:p>
-          <a:p>
-            <a:r>
-              <a:rPr lang="de-DE" dirty="0"/>
-              <a:t>Sinnvoll bei Mehrkernprozessoren</a:t>
-            </a:r>
-          </a:p>
-          <a:p>
-            <a:r>
-              <a:rPr lang="de-DE" dirty="0"/>
-              <a:t>Alle Kerne ausgelastet</a:t>
-            </a:r>
-          </a:p>
-          <a:p>
-            <a:r>
-              <a:rPr lang="de-DE" dirty="0"/>
-              <a:t>Zusätzliche Zeit für Aufteilung und Rückführung</a:t>
-            </a:r>
-          </a:p>
-          <a:p>
-            <a:pPr marL="0" indent="0">
-              <a:buNone/>
-            </a:pPr>
-            <a:endParaRPr lang="de-DE" dirty="0"/>
-          </a:p>
-          <a:p>
-            <a:endParaRPr lang="de-DE" dirty="0"/>
           </a:p>
         </p:txBody>
       </p:sp>
+      <p:pic>
+        <p:nvPicPr>
+          <p:cNvPr id="1030" name="Picture 6">
+            <a:extLst>
+              <a:ext uri="{FF2B5EF4-FFF2-40B4-BE49-F238E27FC236}">
+                <a16:creationId xmlns:a16="http://schemas.microsoft.com/office/drawing/2014/main" id="{1362C611-1C5E-402B-A323-503729E755B6}"/>
+              </a:ext>
+            </a:extLst>
+          </p:cNvPr>
+          <p:cNvPicPr>
+            <a:picLocks noGrp="1" noChangeAspect="1" noChangeArrowheads="1"/>
+          </p:cNvPicPr>
+          <p:nvPr>
+            <p:ph sz="quarter" idx="4"/>
+          </p:nvPr>
+        </p:nvPicPr>
+        <p:blipFill>
+          <a:blip r:embed="rId2">
+            <a:extLst>
+              <a:ext uri="{28A0092B-C50C-407E-A947-70E740481C1C}">
+                <a14:useLocalDpi xmlns:a14="http://schemas.microsoft.com/office/drawing/2010/main" val="0"/>
+              </a:ext>
+            </a:extLst>
+          </a:blip>
+          <a:srcRect/>
+          <a:stretch>
+            <a:fillRect/>
+          </a:stretch>
+        </p:blipFill>
+        <p:spPr bwMode="auto">
+          <a:xfrm>
+            <a:off x="6456363" y="2795469"/>
+            <a:ext cx="5195887" cy="2776775"/>
+          </a:xfrm>
+          <a:prstGeom prst="rect">
+            <a:avLst/>
+          </a:prstGeom>
+          <a:noFill/>
+          <a:extLst>
+            <a:ext uri="{909E8E84-426E-40DD-AFC4-6F175D3DCCD1}">
+              <a14:hiddenFill xmlns:a14="http://schemas.microsoft.com/office/drawing/2010/main">
+                <a:solidFill>
+                  <a:srgbClr val="FFFFFF"/>
+                </a:solidFill>
+              </a14:hiddenFill>
+            </a:ext>
+          </a:extLst>
+        </p:spPr>
+      </p:pic>
+      <p:pic>
+        <p:nvPicPr>
+          <p:cNvPr id="1032" name="Picture 8">
+            <a:extLst>
+              <a:ext uri="{FF2B5EF4-FFF2-40B4-BE49-F238E27FC236}">
+                <a16:creationId xmlns:a16="http://schemas.microsoft.com/office/drawing/2014/main" id="{DADC1622-6890-4F96-977F-4D911890B73E}"/>
+              </a:ext>
+            </a:extLst>
+          </p:cNvPr>
+          <p:cNvPicPr>
+            <a:picLocks noGrp="1" noChangeAspect="1" noChangeArrowheads="1"/>
+          </p:cNvPicPr>
+          <p:nvPr>
+            <p:ph sz="half" idx="2"/>
+          </p:nvPr>
+        </p:nvPicPr>
+        <p:blipFill>
+          <a:blip r:embed="rId3">
+            <a:extLst>
+              <a:ext uri="{28A0092B-C50C-407E-A947-70E740481C1C}">
+                <a14:useLocalDpi xmlns:a14="http://schemas.microsoft.com/office/drawing/2010/main" val="0"/>
+              </a:ext>
+            </a:extLst>
+          </a:blip>
+          <a:srcRect/>
+          <a:stretch>
+            <a:fillRect/>
+          </a:stretch>
+        </p:blipFill>
+        <p:spPr bwMode="auto">
+          <a:xfrm>
+            <a:off x="720725" y="2795893"/>
+            <a:ext cx="5194300" cy="2775927"/>
+          </a:xfrm>
+          <a:prstGeom prst="rect">
+            <a:avLst/>
+          </a:prstGeom>
+          <a:noFill/>
+          <a:extLst>
+            <a:ext uri="{909E8E84-426E-40DD-AFC4-6F175D3DCCD1}">
+              <a14:hiddenFill xmlns:a14="http://schemas.microsoft.com/office/drawing/2010/main">
+                <a:solidFill>
+                  <a:srgbClr val="FFFFFF"/>
+                </a:solidFill>
+              </a14:hiddenFill>
+            </a:ext>
+          </a:extLst>
+        </p:spPr>
+      </p:pic>
     </p:spTree>
     <p:extLst>
       <p:ext uri="{BB962C8B-B14F-4D97-AF65-F5344CB8AC3E}">
@@ -18194,7 +19125,7 @@
 </p:sld>
 </file>
 
-<file path=ppt/slides/slide5.xml><?xml version="1.0" encoding="utf-8"?>
+<file path=ppt/slides/slide6.xml><?xml version="1.0" encoding="utf-8"?>
 <p:sld xmlns:a="http://schemas.openxmlformats.org/drawingml/2006/main" xmlns:r="http://schemas.openxmlformats.org/officeDocument/2006/relationships" xmlns:p="http://schemas.openxmlformats.org/presentationml/2006/main">
   <p:cSld>
     <p:spTree>
@@ -18263,7 +19194,7 @@
             <a:fld id="{98E3085C-34B3-423C-8F18-02E349269A3F}" type="slidenum">
               <a:rPr lang="de-DE" smtClean="0"/>
               <a:pPr/>
-              <a:t>5</a:t>
+              <a:t>6</a:t>
             </a:fld>
             <a:endParaRPr lang="de-DE"/>
           </a:p>
@@ -18297,7 +19228,7 @@
             <a:fld id="{EB7FA4D9-B4DF-4D32-B4BA-6AFE1661384F}" type="datetime3">
               <a:rPr lang="en-US" altLang="de-DE" smtClean="0"/>
               <a:pPr/>
-              <a:t>24 June 2020</a:t>
+              <a:t>1 July 2020</a:t>
             </a:fld>
             <a:endParaRPr lang="de-DE" altLang="de-DE"/>
           </a:p>
@@ -18549,575 +19480,6 @@
 </p:sld>
 </file>
 
-<file path=ppt/slides/slide6.xml><?xml version="1.0" encoding="utf-8"?>
-<p:sld xmlns:a="http://schemas.openxmlformats.org/drawingml/2006/main" xmlns:r="http://schemas.openxmlformats.org/officeDocument/2006/relationships" xmlns:p="http://schemas.openxmlformats.org/presentationml/2006/main">
-  <p:cSld>
-    <p:spTree>
-      <p:nvGrpSpPr>
-        <p:cNvPr id="1" name=""/>
-        <p:cNvGrpSpPr/>
-        <p:nvPr/>
-      </p:nvGrpSpPr>
-      <p:grpSpPr>
-        <a:xfrm>
-          <a:off x="0" y="0"/>
-          <a:ext cx="0" cy="0"/>
-          <a:chOff x="0" y="0"/>
-          <a:chExt cx="0" cy="0"/>
-        </a:xfrm>
-      </p:grpSpPr>
-      <p:sp>
-        <p:nvSpPr>
-          <p:cNvPr id="7" name="Titel 6">
-            <a:extLst>
-              <a:ext uri="{FF2B5EF4-FFF2-40B4-BE49-F238E27FC236}">
-                <a16:creationId xmlns:a16="http://schemas.microsoft.com/office/drawing/2014/main" id="{5DA10BD6-D3F2-4992-B9E1-8926ADD56678}"/>
-              </a:ext>
-            </a:extLst>
-          </p:cNvPr>
-          <p:cNvSpPr>
-            <a:spLocks noGrp="1"/>
-          </p:cNvSpPr>
-          <p:nvPr>
-            <p:ph type="title"/>
-          </p:nvPr>
-        </p:nvSpPr>
-        <p:spPr/>
-        <p:txBody>
-          <a:bodyPr/>
-          <a:lstStyle/>
-          <a:p>
-            <a:r>
-              <a:rPr lang="de-DE" dirty="0"/>
-              <a:t>Modul: </a:t>
-            </a:r>
-            <a:r>
-              <a:rPr lang="de-DE" dirty="0" err="1"/>
-              <a:t>Multiprocessing</a:t>
-            </a:r>
-            <a:endParaRPr lang="de-DE" dirty="0"/>
-          </a:p>
-        </p:txBody>
-      </p:sp>
-      <p:sp>
-        <p:nvSpPr>
-          <p:cNvPr id="5" name="Foliennummernplatzhalter 4">
-            <a:extLst>
-              <a:ext uri="{FF2B5EF4-FFF2-40B4-BE49-F238E27FC236}">
-                <a16:creationId xmlns:a16="http://schemas.microsoft.com/office/drawing/2014/main" id="{316D9078-0307-4635-9CD3-AFB774296283}"/>
-              </a:ext>
-            </a:extLst>
-          </p:cNvPr>
-          <p:cNvSpPr>
-            <a:spLocks noGrp="1"/>
-          </p:cNvSpPr>
-          <p:nvPr>
-            <p:ph type="sldNum" sz="quarter" idx="4"/>
-          </p:nvPr>
-        </p:nvSpPr>
-        <p:spPr/>
-        <p:txBody>
-          <a:bodyPr/>
-          <a:lstStyle/>
-          <a:p>
-            <a:fld id="{98E3085C-34B3-423C-8F18-02E349269A3F}" type="slidenum">
-              <a:rPr lang="de-DE" smtClean="0"/>
-              <a:pPr/>
-              <a:t>6</a:t>
-            </a:fld>
-            <a:endParaRPr lang="de-DE"/>
-          </a:p>
-        </p:txBody>
-      </p:sp>
-      <p:sp>
-        <p:nvSpPr>
-          <p:cNvPr id="6" name="Datumsplatzhalter 5">
-            <a:extLst>
-              <a:ext uri="{FF2B5EF4-FFF2-40B4-BE49-F238E27FC236}">
-                <a16:creationId xmlns:a16="http://schemas.microsoft.com/office/drawing/2014/main" id="{0C941700-5DA3-49EF-96D4-11079DB2A5D2}"/>
-              </a:ext>
-            </a:extLst>
-          </p:cNvPr>
-          <p:cNvSpPr>
-            <a:spLocks noGrp="1"/>
-          </p:cNvSpPr>
-          <p:nvPr>
-            <p:ph type="dt" sz="half" idx="2"/>
-          </p:nvPr>
-        </p:nvSpPr>
-        <p:spPr/>
-        <p:txBody>
-          <a:bodyPr/>
-          <a:lstStyle/>
-          <a:p>
-            <a:r>
-              <a:rPr lang="de-DE" altLang="de-DE"/>
-              <a:t>© WÜRTH IT GmbH, </a:t>
-            </a:r>
-            <a:fld id="{EB7FA4D9-B4DF-4D32-B4BA-6AFE1661384F}" type="datetime3">
-              <a:rPr lang="en-US" altLang="de-DE" smtClean="0"/>
-              <a:pPr/>
-              <a:t>24 June 2020</a:t>
-            </a:fld>
-            <a:endParaRPr lang="de-DE" altLang="de-DE"/>
-          </a:p>
-        </p:txBody>
-      </p:sp>
-      <p:sp>
-        <p:nvSpPr>
-          <p:cNvPr id="9" name="Rechteck: abgerundete Ecken 8">
-            <a:extLst>
-              <a:ext uri="{FF2B5EF4-FFF2-40B4-BE49-F238E27FC236}">
-                <a16:creationId xmlns:a16="http://schemas.microsoft.com/office/drawing/2014/main" id="{E55C5B9A-A02D-433F-A2CE-FC70362BAE59}"/>
-              </a:ext>
-            </a:extLst>
-          </p:cNvPr>
-          <p:cNvSpPr/>
-          <p:nvPr/>
-        </p:nvSpPr>
-        <p:spPr>
-          <a:xfrm>
-            <a:off x="4193832" y="1498484"/>
-            <a:ext cx="3804335" cy="682911"/>
-          </a:xfrm>
-          <a:prstGeom prst="roundRect">
-            <a:avLst/>
-          </a:prstGeom>
-        </p:spPr>
-        <p:style>
-          <a:lnRef idx="2">
-            <a:schemeClr val="accent4">
-              <a:shade val="50000"/>
-            </a:schemeClr>
-          </a:lnRef>
-          <a:fillRef idx="1">
-            <a:schemeClr val="accent4"/>
-          </a:fillRef>
-          <a:effectRef idx="0">
-            <a:schemeClr val="accent4"/>
-          </a:effectRef>
-          <a:fontRef idx="minor">
-            <a:schemeClr val="lt1"/>
-          </a:fontRef>
-        </p:style>
-        <p:txBody>
-          <a:bodyPr rtlCol="0" anchor="ctr"/>
-          <a:lstStyle/>
-          <a:p>
-            <a:pPr algn="ctr"/>
-            <a:r>
-              <a:rPr lang="de-DE" dirty="0"/>
-              <a:t>Python Standardbibliothek</a:t>
-            </a:r>
-          </a:p>
-        </p:txBody>
-      </p:sp>
-      <p:sp>
-        <p:nvSpPr>
-          <p:cNvPr id="10" name="Rechteck: abgerundete Ecken 9">
-            <a:extLst>
-              <a:ext uri="{FF2B5EF4-FFF2-40B4-BE49-F238E27FC236}">
-                <a16:creationId xmlns:a16="http://schemas.microsoft.com/office/drawing/2014/main" id="{98122915-5D46-4F5B-BEBE-7390E0A4D883}"/>
-              </a:ext>
-            </a:extLst>
-          </p:cNvPr>
-          <p:cNvSpPr/>
-          <p:nvPr/>
-        </p:nvSpPr>
-        <p:spPr>
-          <a:xfrm>
-            <a:off x="720002" y="2835499"/>
-            <a:ext cx="3347174" cy="682911"/>
-          </a:xfrm>
-          <a:prstGeom prst="roundRect">
-            <a:avLst/>
-          </a:prstGeom>
-        </p:spPr>
-        <p:style>
-          <a:lnRef idx="2">
-            <a:schemeClr val="accent4">
-              <a:shade val="50000"/>
-            </a:schemeClr>
-          </a:lnRef>
-          <a:fillRef idx="1">
-            <a:schemeClr val="accent4"/>
-          </a:fillRef>
-          <a:effectRef idx="0">
-            <a:schemeClr val="accent4"/>
-          </a:effectRef>
-          <a:fontRef idx="minor">
-            <a:schemeClr val="lt1"/>
-          </a:fontRef>
-        </p:style>
-        <p:txBody>
-          <a:bodyPr rtlCol="0" anchor="ctr"/>
-          <a:lstStyle/>
-          <a:p>
-            <a:pPr algn="ctr"/>
-            <a:r>
-              <a:rPr lang="de-DE" dirty="0"/>
-              <a:t>Pool</a:t>
-            </a:r>
-          </a:p>
-        </p:txBody>
-      </p:sp>
-      <p:sp>
-        <p:nvSpPr>
-          <p:cNvPr id="11" name="Rechteck: abgerundete Ecken 10">
-            <a:extLst>
-              <a:ext uri="{FF2B5EF4-FFF2-40B4-BE49-F238E27FC236}">
-                <a16:creationId xmlns:a16="http://schemas.microsoft.com/office/drawing/2014/main" id="{FF169CB4-044C-4155-B0A4-71CA81226D78}"/>
-              </a:ext>
-            </a:extLst>
-          </p:cNvPr>
-          <p:cNvSpPr/>
-          <p:nvPr/>
-        </p:nvSpPr>
-        <p:spPr>
-          <a:xfrm>
-            <a:off x="8124824" y="2835498"/>
-            <a:ext cx="3347174" cy="682911"/>
-          </a:xfrm>
-          <a:prstGeom prst="roundRect">
-            <a:avLst/>
-          </a:prstGeom>
-        </p:spPr>
-        <p:style>
-          <a:lnRef idx="2">
-            <a:schemeClr val="accent4">
-              <a:shade val="50000"/>
-            </a:schemeClr>
-          </a:lnRef>
-          <a:fillRef idx="1">
-            <a:schemeClr val="accent4"/>
-          </a:fillRef>
-          <a:effectRef idx="0">
-            <a:schemeClr val="accent4"/>
-          </a:effectRef>
-          <a:fontRef idx="minor">
-            <a:schemeClr val="lt1"/>
-          </a:fontRef>
-        </p:style>
-        <p:txBody>
-          <a:bodyPr rtlCol="0" anchor="ctr"/>
-          <a:lstStyle/>
-          <a:p>
-            <a:pPr algn="ctr"/>
-            <a:r>
-              <a:rPr lang="de-DE" dirty="0" err="1"/>
-              <a:t>Process</a:t>
-            </a:r>
-            <a:endParaRPr lang="de-DE" dirty="0"/>
-          </a:p>
-        </p:txBody>
-      </p:sp>
-      <p:sp>
-        <p:nvSpPr>
-          <p:cNvPr id="12" name="Rechteck: abgerundete Ecken 11">
-            <a:extLst>
-              <a:ext uri="{FF2B5EF4-FFF2-40B4-BE49-F238E27FC236}">
-                <a16:creationId xmlns:a16="http://schemas.microsoft.com/office/drawing/2014/main" id="{E33BF163-080C-4EF9-9C4A-6619719E746B}"/>
-              </a:ext>
-            </a:extLst>
-          </p:cNvPr>
-          <p:cNvSpPr/>
-          <p:nvPr/>
-        </p:nvSpPr>
-        <p:spPr>
-          <a:xfrm>
-            <a:off x="720002" y="3736982"/>
-            <a:ext cx="3347174" cy="552437"/>
-          </a:xfrm>
-          <a:prstGeom prst="roundRect">
-            <a:avLst/>
-          </a:prstGeom>
-        </p:spPr>
-        <p:style>
-          <a:lnRef idx="2">
-            <a:schemeClr val="accent2">
-              <a:shade val="50000"/>
-            </a:schemeClr>
-          </a:lnRef>
-          <a:fillRef idx="1">
-            <a:schemeClr val="accent2"/>
-          </a:fillRef>
-          <a:effectRef idx="0">
-            <a:schemeClr val="accent2"/>
-          </a:effectRef>
-          <a:fontRef idx="minor">
-            <a:schemeClr val="lt1"/>
-          </a:fontRef>
-        </p:style>
-        <p:txBody>
-          <a:bodyPr rtlCol="0" anchor="ctr"/>
-          <a:lstStyle/>
-          <a:p>
-            <a:pPr algn="ctr"/>
-            <a:r>
-              <a:rPr lang="de-DE" dirty="0"/>
-              <a:t>Viele Wiederholungen</a:t>
-            </a:r>
-          </a:p>
-        </p:txBody>
-      </p:sp>
-      <p:sp>
-        <p:nvSpPr>
-          <p:cNvPr id="13" name="Rechteck: abgerundete Ecken 12">
-            <a:extLst>
-              <a:ext uri="{FF2B5EF4-FFF2-40B4-BE49-F238E27FC236}">
-                <a16:creationId xmlns:a16="http://schemas.microsoft.com/office/drawing/2014/main" id="{D8F6280E-BAF1-4A73-894B-8E7789DAEEE8}"/>
-              </a:ext>
-            </a:extLst>
-          </p:cNvPr>
-          <p:cNvSpPr/>
-          <p:nvPr/>
-        </p:nvSpPr>
-        <p:spPr>
-          <a:xfrm>
-            <a:off x="8124824" y="3736982"/>
-            <a:ext cx="3347174" cy="552437"/>
-          </a:xfrm>
-          <a:prstGeom prst="roundRect">
-            <a:avLst/>
-          </a:prstGeom>
-        </p:spPr>
-        <p:style>
-          <a:lnRef idx="2">
-            <a:schemeClr val="accent2">
-              <a:shade val="50000"/>
-            </a:schemeClr>
-          </a:lnRef>
-          <a:fillRef idx="1">
-            <a:schemeClr val="accent2"/>
-          </a:fillRef>
-          <a:effectRef idx="0">
-            <a:schemeClr val="accent2"/>
-          </a:effectRef>
-          <a:fontRef idx="minor">
-            <a:schemeClr val="lt1"/>
-          </a:fontRef>
-        </p:style>
-        <p:txBody>
-          <a:bodyPr rtlCol="0" anchor="ctr"/>
-          <a:lstStyle/>
-          <a:p>
-            <a:pPr algn="ctr"/>
-            <a:r>
-              <a:rPr lang="de-DE" dirty="0"/>
-              <a:t>Aufgabenpakte</a:t>
-            </a:r>
-          </a:p>
-        </p:txBody>
-      </p:sp>
-      <p:sp>
-        <p:nvSpPr>
-          <p:cNvPr id="14" name="Rechteck: abgerundete Ecken 13">
-            <a:extLst>
-              <a:ext uri="{FF2B5EF4-FFF2-40B4-BE49-F238E27FC236}">
-                <a16:creationId xmlns:a16="http://schemas.microsoft.com/office/drawing/2014/main" id="{5B934CDF-FC1D-4ECE-95A4-67ECD367206F}"/>
-              </a:ext>
-            </a:extLst>
-          </p:cNvPr>
-          <p:cNvSpPr/>
-          <p:nvPr/>
-        </p:nvSpPr>
-        <p:spPr>
-          <a:xfrm>
-            <a:off x="720002" y="4420639"/>
-            <a:ext cx="3347174" cy="552437"/>
-          </a:xfrm>
-          <a:prstGeom prst="roundRect">
-            <a:avLst/>
-          </a:prstGeom>
-        </p:spPr>
-        <p:style>
-          <a:lnRef idx="2">
-            <a:schemeClr val="accent2">
-              <a:shade val="50000"/>
-            </a:schemeClr>
-          </a:lnRef>
-          <a:fillRef idx="1">
-            <a:schemeClr val="accent2"/>
-          </a:fillRef>
-          <a:effectRef idx="0">
-            <a:schemeClr val="accent2"/>
-          </a:effectRef>
-          <a:fontRef idx="minor">
-            <a:schemeClr val="lt1"/>
-          </a:fontRef>
-        </p:style>
-        <p:txBody>
-          <a:bodyPr rtlCol="0" anchor="ctr"/>
-          <a:lstStyle/>
-          <a:p>
-            <a:pPr algn="ctr"/>
-            <a:r>
-              <a:rPr lang="de-DE" dirty="0"/>
-              <a:t>Unabhängig voneinander</a:t>
-            </a:r>
-          </a:p>
-        </p:txBody>
-      </p:sp>
-      <p:sp>
-        <p:nvSpPr>
-          <p:cNvPr id="15" name="Rechteck: abgerundete Ecken 14">
-            <a:extLst>
-              <a:ext uri="{FF2B5EF4-FFF2-40B4-BE49-F238E27FC236}">
-                <a16:creationId xmlns:a16="http://schemas.microsoft.com/office/drawing/2014/main" id="{EF7D6087-2ED0-480D-A988-1E35B072A7BC}"/>
-              </a:ext>
-            </a:extLst>
-          </p:cNvPr>
-          <p:cNvSpPr/>
-          <p:nvPr/>
-        </p:nvSpPr>
-        <p:spPr>
-          <a:xfrm>
-            <a:off x="694267" y="5104296"/>
-            <a:ext cx="3347174" cy="552437"/>
-          </a:xfrm>
-          <a:prstGeom prst="roundRect">
-            <a:avLst/>
-          </a:prstGeom>
-        </p:spPr>
-        <p:style>
-          <a:lnRef idx="2">
-            <a:schemeClr val="accent2">
-              <a:shade val="50000"/>
-            </a:schemeClr>
-          </a:lnRef>
-          <a:fillRef idx="1">
-            <a:schemeClr val="accent2"/>
-          </a:fillRef>
-          <a:effectRef idx="0">
-            <a:schemeClr val="accent2"/>
-          </a:effectRef>
-          <a:fontRef idx="minor">
-            <a:schemeClr val="lt1"/>
-          </a:fontRef>
-        </p:style>
-        <p:txBody>
-          <a:bodyPr rtlCol="0" anchor="ctr"/>
-          <a:lstStyle/>
-          <a:p>
-            <a:pPr algn="ctr"/>
-            <a:r>
-              <a:rPr lang="de-DE" dirty="0"/>
-              <a:t>Unbekannte Reihenfolge</a:t>
-            </a:r>
-          </a:p>
-        </p:txBody>
-      </p:sp>
-      <p:sp>
-        <p:nvSpPr>
-          <p:cNvPr id="16" name="Rechteck: abgerundete Ecken 15">
-            <a:extLst>
-              <a:ext uri="{FF2B5EF4-FFF2-40B4-BE49-F238E27FC236}">
-                <a16:creationId xmlns:a16="http://schemas.microsoft.com/office/drawing/2014/main" id="{9E82B66D-55B3-4704-A29D-4E06AE21DD2E}"/>
-              </a:ext>
-            </a:extLst>
-          </p:cNvPr>
-          <p:cNvSpPr/>
-          <p:nvPr/>
-        </p:nvSpPr>
-        <p:spPr>
-          <a:xfrm>
-            <a:off x="8124824" y="4420639"/>
-            <a:ext cx="3347174" cy="552437"/>
-          </a:xfrm>
-          <a:prstGeom prst="roundRect">
-            <a:avLst/>
-          </a:prstGeom>
-        </p:spPr>
-        <p:style>
-          <a:lnRef idx="2">
-            <a:schemeClr val="accent2">
-              <a:shade val="50000"/>
-            </a:schemeClr>
-          </a:lnRef>
-          <a:fillRef idx="1">
-            <a:schemeClr val="accent2"/>
-          </a:fillRef>
-          <a:effectRef idx="0">
-            <a:schemeClr val="accent2"/>
-          </a:effectRef>
-          <a:fontRef idx="minor">
-            <a:schemeClr val="lt1"/>
-          </a:fontRef>
-        </p:style>
-        <p:txBody>
-          <a:bodyPr rtlCol="0" anchor="ctr"/>
-          <a:lstStyle/>
-          <a:p>
-            <a:pPr algn="ctr"/>
-            <a:r>
-              <a:rPr lang="de-DE" dirty="0"/>
-              <a:t>Einmalige Durchführung</a:t>
-            </a:r>
-          </a:p>
-        </p:txBody>
-      </p:sp>
-      <p:sp>
-        <p:nvSpPr>
-          <p:cNvPr id="17" name="Rechteck: abgerundete Ecken 16">
-            <a:extLst>
-              <a:ext uri="{FF2B5EF4-FFF2-40B4-BE49-F238E27FC236}">
-                <a16:creationId xmlns:a16="http://schemas.microsoft.com/office/drawing/2014/main" id="{39963127-9D6D-4E9C-8A22-010345304709}"/>
-              </a:ext>
-            </a:extLst>
-          </p:cNvPr>
-          <p:cNvSpPr/>
-          <p:nvPr/>
-        </p:nvSpPr>
-        <p:spPr>
-          <a:xfrm>
-            <a:off x="8124824" y="5104295"/>
-            <a:ext cx="3347174" cy="552437"/>
-          </a:xfrm>
-          <a:prstGeom prst="roundRect">
-            <a:avLst/>
-          </a:prstGeom>
-        </p:spPr>
-        <p:style>
-          <a:lnRef idx="2">
-            <a:schemeClr val="accent2">
-              <a:shade val="50000"/>
-            </a:schemeClr>
-          </a:lnRef>
-          <a:fillRef idx="1">
-            <a:schemeClr val="accent2"/>
-          </a:fillRef>
-          <a:effectRef idx="0">
-            <a:schemeClr val="accent2"/>
-          </a:effectRef>
-          <a:fontRef idx="minor">
-            <a:schemeClr val="lt1"/>
-          </a:fontRef>
-        </p:style>
-        <p:txBody>
-          <a:bodyPr rtlCol="0" anchor="ctr"/>
-          <a:lstStyle/>
-          <a:p>
-            <a:pPr algn="ctr"/>
-            <a:r>
-              <a:rPr lang="de-DE" dirty="0"/>
-              <a:t>abhängige Prozesse möglich</a:t>
-            </a:r>
-          </a:p>
-        </p:txBody>
-      </p:sp>
-    </p:spTree>
-    <p:extLst>
-      <p:ext uri="{BB962C8B-B14F-4D97-AF65-F5344CB8AC3E}">
-        <p14:creationId xmlns:p14="http://schemas.microsoft.com/office/powerpoint/2010/main" val="2786124716"/>
-      </p:ext>
-    </p:extLst>
-  </p:cSld>
-  <p:clrMapOvr>
-    <a:masterClrMapping/>
-  </p:clrMapOvr>
-</p:sld>
-</file>
-
 <file path=ppt/slides/slide7.xml><?xml version="1.0" encoding="utf-8"?>
 <p:sld xmlns:a="http://schemas.openxmlformats.org/drawingml/2006/main" xmlns:r="http://schemas.openxmlformats.org/officeDocument/2006/relationships" xmlns:p="http://schemas.openxmlformats.org/presentationml/2006/main">
   <p:cSld>
@@ -19221,7 +19583,7 @@
             <a:fld id="{EB7FA4D9-B4DF-4D32-B4BA-6AFE1661384F}" type="datetime3">
               <a:rPr lang="en-US" altLang="de-DE" smtClean="0"/>
               <a:pPr/>
-              <a:t>24 June 2020</a:t>
+              <a:t>1 July 2020</a:t>
             </a:fld>
             <a:endParaRPr lang="de-DE" altLang="de-DE"/>
           </a:p>
@@ -19984,7 +20346,7 @@
             <a:fld id="{EB7FA4D9-B4DF-4D32-B4BA-6AFE1661384F}" type="datetime3">
               <a:rPr lang="en-US" altLang="de-DE" smtClean="0"/>
               <a:pPr/>
-              <a:t>24 June 2020</a:t>
+              <a:t>1 July 2020</a:t>
             </a:fld>
             <a:endParaRPr lang="de-DE" altLang="de-DE"/>
           </a:p>
@@ -20662,15 +21024,7 @@
           <a:p>
             <a:r>
               <a:rPr lang="de-DE"/>
-              <a:t>Single-</a:t>
-            </a:r>
-            <a:r>
-              <a:rPr lang="de-DE" err="1"/>
-              <a:t>Process</a:t>
-            </a:r>
-            <a:r>
-              <a:rPr lang="de-DE"/>
-              <a:t> Variante</a:t>
+              <a:t>Single-Process Variante</a:t>
             </a:r>
           </a:p>
         </p:txBody>
@@ -20692,15 +21046,20 @@
           </p:nvPr>
         </p:nvPicPr>
         <p:blipFill>
-          <a:blip r:embed="rId2"/>
-          <a:stretch>
-            <a:fillRect/>
-          </a:stretch>
+          <a:blip r:embed="rId2">
+            <a:extLst>
+              <a:ext uri="{28A0092B-C50C-407E-A947-70E740481C1C}">
+                <a14:useLocalDpi xmlns:a14="http://schemas.microsoft.com/office/drawing/2010/main" val="0"/>
+              </a:ext>
+            </a:extLst>
+          </a:blip>
+          <a:srcRect/>
+          <a:stretch/>
         </p:blipFill>
         <p:spPr>
           <a:xfrm>
-            <a:off x="814262" y="1816683"/>
-            <a:ext cx="4954838" cy="3948534"/>
+            <a:off x="814262" y="1897568"/>
+            <a:ext cx="4954838" cy="3642903"/>
           </a:xfrm>
           <a:prstGeom prst="rect">
             <a:avLst/>
@@ -20832,7 +21191,7 @@
             <a:fld id="{EB7FA4D9-B4DF-4D32-B4BA-6AFE1661384F}" type="datetime3">
               <a:rPr lang="en-US" altLang="de-DE" smtClean="0"/>
               <a:pPr/>
-              <a:t>24 June 2020</a:t>
+              <a:t>1 July 2020</a:t>
             </a:fld>
             <a:endParaRPr lang="de-DE" altLang="de-DE"/>
           </a:p>
@@ -20852,8 +21211,8 @@
         </p:nvSpPr>
         <p:spPr>
           <a:xfrm>
-            <a:off x="814262" y="3334327"/>
-            <a:ext cx="2224502" cy="803564"/>
+            <a:off x="814262" y="3317238"/>
+            <a:ext cx="2224502" cy="940726"/>
           </a:xfrm>
           <a:prstGeom prst="rect">
             <a:avLst/>
